--- a/IS-PM-Slides/01_projects and project management v_ch1.pptx
+++ b/IS-PM-Slides/01_projects and project management v_ch1.pptx
@@ -196,16 +196,32 @@
 </p:cmAuthorLst>
 </file>
 
-<file path=ppt/revisionInfo.xml><?xml version="1.0" encoding="utf-8"?>
-<p1510:revInfo xmlns:a="http://schemas.openxmlformats.org/drawingml/2006/main" xmlns:r="http://schemas.openxmlformats.org/officeDocument/2006/relationships" xmlns:p1510="http://schemas.microsoft.com/office/powerpoint/2015/10/main">
-  <p1510:revLst>
-    <p1510:client id="{5BE16F81-E5DB-4833-BD79-6E92C9DE39FF}" v="73" dt="2019-12-31T13:36:24.048"/>
-  </p1510:revLst>
-</p1510:revInfo>
-</file>
-
 <file path=ppt/changesInfos/changesInfo1.xml><?xml version="1.0" encoding="utf-8"?>
 <pc:chgInfo xmlns:a="http://schemas.openxmlformats.org/drawingml/2006/main" xmlns:r="http://schemas.openxmlformats.org/officeDocument/2006/relationships" xmlns:ac="http://schemas.microsoft.com/office/drawing/2013/main/command" xmlns:pc="http://schemas.microsoft.com/office/powerpoint/2013/main/command">
+  <pc:docChgLst>
+    <pc:chgData name="Osama Mohammed Moustafa Hosam Elde" userId="ab8f451e-a635-42ee-be12-e2dde55852bf" providerId="ADAL" clId="{58ACDC4B-78BA-462F-ABA8-038CA0C4E76A}"/>
+    <pc:docChg chg="modSld">
+      <pc:chgData name="Osama Mohammed Moustafa Hosam Elde" userId="ab8f451e-a635-42ee-be12-e2dde55852bf" providerId="ADAL" clId="{58ACDC4B-78BA-462F-ABA8-038CA0C4E76A}" dt="2020-01-28T14:17:08.029" v="32" actId="6549"/>
+      <pc:docMkLst>
+        <pc:docMk/>
+      </pc:docMkLst>
+      <pc:sldChg chg="modSp">
+        <pc:chgData name="Osama Mohammed Moustafa Hosam Elde" userId="ab8f451e-a635-42ee-be12-e2dde55852bf" providerId="ADAL" clId="{58ACDC4B-78BA-462F-ABA8-038CA0C4E76A}" dt="2020-01-28T14:17:08.029" v="32" actId="6549"/>
+        <pc:sldMkLst>
+          <pc:docMk/>
+          <pc:sldMk cId="0" sldId="256"/>
+        </pc:sldMkLst>
+        <pc:spChg chg="mod">
+          <ac:chgData name="Osama Mohammed Moustafa Hosam Elde" userId="ab8f451e-a635-42ee-be12-e2dde55852bf" providerId="ADAL" clId="{58ACDC4B-78BA-462F-ABA8-038CA0C4E76A}" dt="2020-01-28T14:17:08.029" v="32" actId="6549"/>
+          <ac:spMkLst>
+            <pc:docMk/>
+            <pc:sldMk cId="0" sldId="256"/>
+            <ac:spMk id="8" creationId="{00000000-0000-0000-0000-000000000000}"/>
+          </ac:spMkLst>
+        </pc:spChg>
+      </pc:sldChg>
+    </pc:docChg>
+  </pc:docChgLst>
   <pc:docChgLst>
     <pc:chgData name="Osama Mohammed Moustafa Hosam Elde" userId="ab8f451e-a635-42ee-be12-e2dde55852bf" providerId="ADAL" clId="{5BE16F81-E5DB-4833-BD79-6E92C9DE39FF}"/>
     <pc:docChg chg="undo custSel addSld delSld modSld">
@@ -563,7 +579,7 @@
               <a:pPr>
                 <a:defRPr/>
               </a:pPr>
-              <a:t>12/31/2019</a:t>
+              <a:t>28-Jan-20</a:t>
             </a:fld>
             <a:endParaRPr lang="en-US"/>
           </a:p>
@@ -1514,7 +1530,7 @@
             <a:fld id="{9CE09FB7-5730-49F5-B637-0406E3BAC781}" type="datetime1">
               <a:rPr lang="en-US"/>
               <a:pPr/>
-              <a:t>12/31/2019</a:t>
+              <a:t>28-Jan-20</a:t>
             </a:fld>
             <a:endParaRPr lang="en-US"/>
           </a:p>
@@ -1709,7 +1725,7 @@
             <a:fld id="{68661B84-631A-4B6B-AA1B-BAAD86BB06CF}" type="datetime1">
               <a:rPr lang="en-US"/>
               <a:pPr/>
-              <a:t>12/31/2019</a:t>
+              <a:t>28-Jan-20</a:t>
             </a:fld>
             <a:endParaRPr lang="en-US"/>
           </a:p>
@@ -1904,7 +1920,7 @@
             <a:fld id="{E979F844-8591-497B-AC4C-934FB6F32318}" type="datetime1">
               <a:rPr lang="en-US"/>
               <a:pPr/>
-              <a:t>12/31/2019</a:t>
+              <a:t>28-Jan-20</a:t>
             </a:fld>
             <a:endParaRPr lang="en-US"/>
           </a:p>
@@ -2161,7 +2177,7 @@
             <a:fld id="{0CFD02B2-33EF-48CB-83A6-85376CAC0156}" type="datetime1">
               <a:rPr lang="en-US"/>
               <a:pPr/>
-              <a:t>12/31/2019</a:t>
+              <a:t>28-Jan-20</a:t>
             </a:fld>
             <a:endParaRPr lang="en-US"/>
           </a:p>
@@ -2346,7 +2362,7 @@
             <a:fld id="{7C5877CA-7990-40C7-B4A4-E0ECD8CD1D47}" type="datetime1">
               <a:rPr lang="en-US"/>
               <a:pPr/>
-              <a:t>12/31/2019</a:t>
+              <a:t>28-Jan-20</a:t>
             </a:fld>
             <a:endParaRPr lang="en-US"/>
           </a:p>
@@ -2608,7 +2624,7 @@
             <a:fld id="{C824D350-454D-43DF-B5E6-BE4F5A8458D5}" type="datetime1">
               <a:rPr lang="en-US"/>
               <a:pPr/>
-              <a:t>12/31/2019</a:t>
+              <a:t>28-Jan-20</a:t>
             </a:fld>
             <a:endParaRPr lang="en-US"/>
           </a:p>
@@ -2910,7 +2926,7 @@
             <a:fld id="{C59630B7-A4A2-4480-AEA7-2DFD9736FA7B}" type="datetime1">
               <a:rPr lang="en-US"/>
               <a:pPr/>
-              <a:t>12/31/2019</a:t>
+              <a:t>28-Jan-20</a:t>
             </a:fld>
             <a:endParaRPr lang="en-US"/>
           </a:p>
@@ -3346,7 +3362,7 @@
             <a:fld id="{C539302D-84A0-4DDE-A8D5-4EAB281AC10E}" type="datetime1">
               <a:rPr lang="en-US"/>
               <a:pPr/>
-              <a:t>12/31/2019</a:t>
+              <a:t>28-Jan-20</a:t>
             </a:fld>
             <a:endParaRPr lang="en-US"/>
           </a:p>
@@ -3480,7 +3496,7 @@
             <a:fld id="{19246990-DD22-45BD-BA88-FE0263D4BF8F}" type="datetime1">
               <a:rPr lang="en-US"/>
               <a:pPr/>
-              <a:t>12/31/2019</a:t>
+              <a:t>28-Jan-20</a:t>
             </a:fld>
             <a:endParaRPr lang="en-US"/>
           </a:p>
@@ -3592,7 +3608,7 @@
             <a:fld id="{42C8B7DB-CBC0-487A-9DF6-54BE1ACD2C53}" type="datetime1">
               <a:rPr lang="en-US"/>
               <a:pPr/>
-              <a:t>12/31/2019</a:t>
+              <a:t>28-Jan-20</a:t>
             </a:fld>
             <a:endParaRPr lang="en-US"/>
           </a:p>
@@ -3884,7 +3900,7 @@
             <a:fld id="{A245A170-74EC-409E-9A8A-B20809839510}" type="datetime1">
               <a:rPr lang="en-US"/>
               <a:pPr/>
-              <a:t>12/31/2019</a:t>
+              <a:t>28-Jan-20</a:t>
             </a:fld>
             <a:endParaRPr lang="en-US"/>
           </a:p>
@@ -4141,7 +4157,7 @@
             <a:fld id="{F48092FA-3923-4BC5-83D2-0EBCC48C7E3E}" type="datetime1">
               <a:rPr lang="en-US"/>
               <a:pPr/>
-              <a:t>12/31/2019</a:t>
+              <a:t>28-Jan-20</a:t>
             </a:fld>
             <a:endParaRPr lang="en-US"/>
           </a:p>
@@ -4417,7 +4433,7 @@
             <a:fld id="{16C6AB40-D24C-4DD2-82BF-E44A4D7E5E28}" type="datetime1">
               <a:rPr lang="en-US"/>
               <a:pPr/>
-              <a:t>12/31/2019</a:t>
+              <a:t>28-Jan-20</a:t>
             </a:fld>
             <a:endParaRPr lang="en-US"/>
           </a:p>
@@ -4602,7 +4618,7 @@
             <a:fld id="{08756999-DCDD-4436-8DD2-F82B980152AD}" type="datetime1">
               <a:rPr lang="en-US"/>
               <a:pPr/>
-              <a:t>12/31/2019</a:t>
+              <a:t>28-Jan-20</a:t>
             </a:fld>
             <a:endParaRPr lang="en-US"/>
           </a:p>
@@ -4797,7 +4813,7 @@
             <a:fld id="{E9A58E96-53E9-4D5B-8B29-C417E24699C2}" type="datetime1">
               <a:rPr lang="en-US"/>
               <a:pPr/>
-              <a:t>12/31/2019</a:t>
+              <a:t>28-Jan-20</a:t>
             </a:fld>
             <a:endParaRPr lang="en-US"/>
           </a:p>
@@ -5054,7 +5070,7 @@
             <a:fld id="{8F76B125-B1B5-494B-8B62-033500F8DDF3}" type="datetime1">
               <a:rPr lang="en-US"/>
               <a:pPr/>
-              <a:t>12/31/2019</a:t>
+              <a:t>28-Jan-20</a:t>
             </a:fld>
             <a:endParaRPr lang="en-US"/>
           </a:p>
@@ -5239,7 +5255,7 @@
             <a:fld id="{D49EA58D-0FDE-47A3-8C22-EBF2B1C4D0CB}" type="datetime1">
               <a:rPr lang="en-US"/>
               <a:pPr/>
-              <a:t>12/31/2019</a:t>
+              <a:t>28-Jan-20</a:t>
             </a:fld>
             <a:endParaRPr lang="en-US"/>
           </a:p>
@@ -5501,7 +5517,7 @@
             <a:fld id="{9E4DF276-76AA-43D8-8B9A-1F40C88D21B1}" type="datetime1">
               <a:rPr lang="en-US"/>
               <a:pPr/>
-              <a:t>12/31/2019</a:t>
+              <a:t>28-Jan-20</a:t>
             </a:fld>
             <a:endParaRPr lang="en-US"/>
           </a:p>
@@ -5803,7 +5819,7 @@
             <a:fld id="{3DEC2723-78AA-4FE8-9E8C-F7A90C1C95ED}" type="datetime1">
               <a:rPr lang="en-US"/>
               <a:pPr/>
-              <a:t>12/31/2019</a:t>
+              <a:t>28-Jan-20</a:t>
             </a:fld>
             <a:endParaRPr lang="en-US"/>
           </a:p>
@@ -6239,7 +6255,7 @@
             <a:fld id="{6901A7BB-4E35-4C97-8F9A-440BF2FA9684}" type="datetime1">
               <a:rPr lang="en-US"/>
               <a:pPr/>
-              <a:t>12/31/2019</a:t>
+              <a:t>28-Jan-20</a:t>
             </a:fld>
             <a:endParaRPr lang="en-US"/>
           </a:p>
@@ -6373,7 +6389,7 @@
             <a:fld id="{B877BE25-6BD9-40A2-BC3D-9D3728A3250E}" type="datetime1">
               <a:rPr lang="en-US"/>
               <a:pPr/>
-              <a:t>12/31/2019</a:t>
+              <a:t>28-Jan-20</a:t>
             </a:fld>
             <a:endParaRPr lang="en-US"/>
           </a:p>
@@ -6485,7 +6501,7 @@
             <a:fld id="{4FFFEED7-7EAF-4CC5-96AB-CDEE925CA2C3}" type="datetime1">
               <a:rPr lang="en-US"/>
               <a:pPr/>
-              <a:t>12/31/2019</a:t>
+              <a:t>28-Jan-20</a:t>
             </a:fld>
             <a:endParaRPr lang="en-US"/>
           </a:p>
@@ -6747,7 +6763,7 @@
             <a:fld id="{86E32580-AD9D-4FE7-AEBB-0ECF69D224D9}" type="datetime1">
               <a:rPr lang="en-US"/>
               <a:pPr/>
-              <a:t>12/31/2019</a:t>
+              <a:t>28-Jan-20</a:t>
             </a:fld>
             <a:endParaRPr lang="en-US"/>
           </a:p>
@@ -7039,7 +7055,7 @@
             <a:fld id="{A80FBF31-89CE-4360-B830-5A78340DD8B7}" type="datetime1">
               <a:rPr lang="en-US"/>
               <a:pPr/>
-              <a:t>12/31/2019</a:t>
+              <a:t>28-Jan-20</a:t>
             </a:fld>
             <a:endParaRPr lang="en-US"/>
           </a:p>
@@ -7311,7 +7327,7 @@
             <a:fld id="{350D5B7B-C950-4529-8EC5-B083686B986E}" type="datetime1">
               <a:rPr lang="en-US"/>
               <a:pPr/>
-              <a:t>12/31/2019</a:t>
+              <a:t>28-Jan-20</a:t>
             </a:fld>
             <a:endParaRPr lang="en-US"/>
           </a:p>
@@ -7496,7 +7512,7 @@
             <a:fld id="{03C9EC44-F626-4D7A-ADA1-A34EF9BBE037}" type="datetime1">
               <a:rPr lang="en-US"/>
               <a:pPr/>
-              <a:t>12/31/2019</a:t>
+              <a:t>28-Jan-20</a:t>
             </a:fld>
             <a:endParaRPr lang="en-US"/>
           </a:p>
@@ -7691,7 +7707,7 @@
             <a:fld id="{9DEA2970-3A5F-4647-8671-7D4EB9532FD8}" type="datetime1">
               <a:rPr lang="en-US"/>
               <a:pPr/>
-              <a:t>12/31/2019</a:t>
+              <a:t>28-Jan-20</a:t>
             </a:fld>
             <a:endParaRPr lang="en-US"/>
           </a:p>
@@ -7948,7 +7964,7 @@
             <a:fld id="{E0BFD596-7048-473C-9886-3A92B60A1880}" type="datetime1">
               <a:rPr lang="en-US"/>
               <a:pPr/>
-              <a:t>12/31/2019</a:t>
+              <a:t>28-Jan-20</a:t>
             </a:fld>
             <a:endParaRPr lang="en-US"/>
           </a:p>
@@ -8133,7 +8149,7 @@
             <a:fld id="{D451B338-746A-433B-AF8B-0D0D09FC1EE6}" type="datetime1">
               <a:rPr lang="en-US"/>
               <a:pPr/>
-              <a:t>12/31/2019</a:t>
+              <a:t>28-Jan-20</a:t>
             </a:fld>
             <a:endParaRPr lang="en-US"/>
           </a:p>
@@ -8395,7 +8411,7 @@
             <a:fld id="{473ED522-A77A-48E1-9872-7D980E92909E}" type="datetime1">
               <a:rPr lang="en-US"/>
               <a:pPr/>
-              <a:t>12/31/2019</a:t>
+              <a:t>28-Jan-20</a:t>
             </a:fld>
             <a:endParaRPr lang="en-US"/>
           </a:p>
@@ -8697,7 +8713,7 @@
             <a:fld id="{F0E2399F-5A85-4D52-8F2D-60CBBD4AB4C8}" type="datetime1">
               <a:rPr lang="en-US"/>
               <a:pPr/>
-              <a:t>12/31/2019</a:t>
+              <a:t>28-Jan-20</a:t>
             </a:fld>
             <a:endParaRPr lang="en-US"/>
           </a:p>
@@ -9133,7 +9149,7 @@
             <a:fld id="{01ABA255-3579-4550-A5E2-9A99B6190CC4}" type="datetime1">
               <a:rPr lang="en-US"/>
               <a:pPr/>
-              <a:t>12/31/2019</a:t>
+              <a:t>28-Jan-20</a:t>
             </a:fld>
             <a:endParaRPr lang="en-US"/>
           </a:p>
@@ -9267,7 +9283,7 @@
             <a:fld id="{30AF8761-122B-4F58-9C73-097AFCA48598}" type="datetime1">
               <a:rPr lang="en-US"/>
               <a:pPr/>
-              <a:t>12/31/2019</a:t>
+              <a:t>28-Jan-20</a:t>
             </a:fld>
             <a:endParaRPr lang="en-US"/>
           </a:p>
@@ -9569,7 +9585,7 @@
             <a:fld id="{744752A9-3A8E-4FD5-9706-E36BAB012186}" type="datetime1">
               <a:rPr lang="en-US"/>
               <a:pPr/>
-              <a:t>12/31/2019</a:t>
+              <a:t>28-Jan-20</a:t>
             </a:fld>
             <a:endParaRPr lang="en-US"/>
           </a:p>
@@ -9681,7 +9697,7 @@
             <a:fld id="{9C57EFF9-A291-4317-B121-AEF159193AED}" type="datetime1">
               <a:rPr lang="en-US"/>
               <a:pPr/>
-              <a:t>12/31/2019</a:t>
+              <a:t>28-Jan-20</a:t>
             </a:fld>
             <a:endParaRPr lang="en-US"/>
           </a:p>
@@ -9973,7 +9989,7 @@
             <a:fld id="{BD3BF221-FDAA-4C61-901A-293C819BCD5D}" type="datetime1">
               <a:rPr lang="en-US"/>
               <a:pPr/>
-              <a:t>12/31/2019</a:t>
+              <a:t>28-Jan-20</a:t>
             </a:fld>
             <a:endParaRPr lang="en-US"/>
           </a:p>
@@ -10245,7 +10261,7 @@
             <a:fld id="{D339C192-B8DC-4DCC-8B65-6B95DEA6E43A}" type="datetime1">
               <a:rPr lang="en-US"/>
               <a:pPr/>
-              <a:t>12/31/2019</a:t>
+              <a:t>28-Jan-20</a:t>
             </a:fld>
             <a:endParaRPr lang="en-US"/>
           </a:p>
@@ -10430,7 +10446,7 @@
             <a:fld id="{24767437-24ED-4E69-8916-EB5A0CC8EEB3}" type="datetime1">
               <a:rPr lang="en-US"/>
               <a:pPr/>
-              <a:t>12/31/2019</a:t>
+              <a:t>28-Jan-20</a:t>
             </a:fld>
             <a:endParaRPr lang="en-US"/>
           </a:p>
@@ -10625,7 +10641,7 @@
             <a:fld id="{169FDE43-4B4B-449B-9139-169036E1B3DB}" type="datetime1">
               <a:rPr lang="en-US"/>
               <a:pPr/>
-              <a:t>12/31/2019</a:t>
+              <a:t>28-Jan-20</a:t>
             </a:fld>
             <a:endParaRPr lang="en-US"/>
           </a:p>
@@ -11061,7 +11077,7 @@
             <a:fld id="{72FDC2B6-CB96-4354-A738-49291645A1F2}" type="datetime1">
               <a:rPr lang="en-US"/>
               <a:pPr/>
-              <a:t>12/31/2019</a:t>
+              <a:t>28-Jan-20</a:t>
             </a:fld>
             <a:endParaRPr lang="en-US"/>
           </a:p>
@@ -11195,7 +11211,7 @@
             <a:fld id="{EECE1C72-8202-4972-B9B7-DE998409DC48}" type="datetime1">
               <a:rPr lang="en-US"/>
               <a:pPr/>
-              <a:t>12/31/2019</a:t>
+              <a:t>28-Jan-20</a:t>
             </a:fld>
             <a:endParaRPr lang="en-US"/>
           </a:p>
@@ -11307,7 +11323,7 @@
             <a:fld id="{152031BA-5E4F-414F-BA0C-E0C4DB986C51}" type="datetime1">
               <a:rPr lang="en-US"/>
               <a:pPr/>
-              <a:t>12/31/2019</a:t>
+              <a:t>28-Jan-20</a:t>
             </a:fld>
             <a:endParaRPr lang="en-US"/>
           </a:p>
@@ -11599,7 +11615,7 @@
             <a:fld id="{8E7A1048-36DF-48E8-A25E-3744B8D1A357}" type="datetime1">
               <a:rPr lang="en-US"/>
               <a:pPr/>
-              <a:t>12/31/2019</a:t>
+              <a:t>28-Jan-20</a:t>
             </a:fld>
             <a:endParaRPr lang="en-US"/>
           </a:p>
@@ -11871,7 +11887,7 @@
             <a:fld id="{7E8D7281-3F35-4D8A-8022-3F96A4447C6E}" type="datetime1">
               <a:rPr lang="en-US"/>
               <a:pPr/>
-              <a:t>12/31/2019</a:t>
+              <a:t>28-Jan-20</a:t>
             </a:fld>
             <a:endParaRPr lang="en-US"/>
           </a:p>
@@ -12159,7 +12175,7 @@
             <a:fld id="{4ADFF857-C5DC-4904-92CB-F80472E33B09}" type="datetime1">
               <a:rPr lang="en-US"/>
               <a:pPr/>
-              <a:t>12/31/2019</a:t>
+              <a:t>28-Jan-20</a:t>
             </a:fld>
             <a:endParaRPr lang="en-US"/>
           </a:p>
@@ -12839,7 +12855,7 @@
             <a:fld id="{61043EE9-D1B1-4D6D-9582-D490E646F1C1}" type="datetime1">
               <a:rPr lang="en-US"/>
               <a:pPr/>
-              <a:t>12/31/2019</a:t>
+              <a:t>28-Jan-20</a:t>
             </a:fld>
             <a:endParaRPr lang="en-US"/>
           </a:p>
@@ -13515,7 +13531,7 @@
             <a:fld id="{0F242A0E-1EBC-439E-B3AE-61B004C1E727}" type="datetime1">
               <a:rPr lang="en-US"/>
               <a:pPr/>
-              <a:t>12/31/2019</a:t>
+              <a:t>28-Jan-20</a:t>
             </a:fld>
             <a:endParaRPr lang="en-US"/>
           </a:p>
@@ -14191,7 +14207,7 @@
             <a:fld id="{36BE26AA-6F36-4330-8249-63C6D1D40881}" type="datetime1">
               <a:rPr lang="en-US"/>
               <a:pPr/>
-              <a:t>12/31/2019</a:t>
+              <a:t>28-Jan-20</a:t>
             </a:fld>
             <a:endParaRPr lang="en-US"/>
           </a:p>
@@ -14892,6 +14908,20 @@
               </a:spcAft>
               <a:defRPr/>
             </a:pPr>
+            <a:r>
+              <a:rPr lang="en-US" sz="2800" dirty="0">
+                <a:latin typeface="+mn-lt"/>
+                <a:cs typeface="+mn-cs"/>
+              </a:rPr>
+              <a:t>Updated by: Osama </a:t>
+            </a:r>
+            <a:r>
+              <a:rPr lang="en-US" sz="2800">
+                <a:latin typeface="+mn-lt"/>
+                <a:cs typeface="+mn-cs"/>
+              </a:rPr>
+              <a:t>Hosameldeen</a:t>
+            </a:r>
             <a:endParaRPr lang="en-US" sz="2800" dirty="0">
               <a:latin typeface="+mn-lt"/>
               <a:cs typeface="+mn-cs"/>
